--- a/Chapter 03/301.pptx
+++ b/Chapter 03/301.pptx
@@ -287,7 +287,7 @@
           <a:p>
             <a:fld id="{CA430C0A-5464-4FE4-84EB-FF9C94016DF4}" type="datetimeFigureOut">
               <a:rPr lang="en-US" dirty="0"/>
-              <a:t>5/30/2019</a:t>
+              <a:t>5/31/2019</a:t>
             </a:fld>
             <a:endParaRPr lang="en-US" dirty="0"/>
           </a:p>
@@ -453,7 +453,7 @@
           <a:p>
             <a:fld id="{E9F9C37B-1D36-470B-8223-D6C91242EC14}" type="datetimeFigureOut">
               <a:rPr lang="en-US" dirty="0"/>
-              <a:t>5/30/2019</a:t>
+              <a:t>5/31/2019</a:t>
             </a:fld>
             <a:endParaRPr lang="en-US" dirty="0"/>
           </a:p>
@@ -628,7 +628,7 @@
           <a:p>
             <a:fld id="{67C6F52A-A82B-47A2-A83A-8C4C91F2D59F}" type="datetimeFigureOut">
               <a:rPr lang="en-US" dirty="0"/>
-              <a:t>5/30/2019</a:t>
+              <a:t>5/31/2019</a:t>
             </a:fld>
             <a:endParaRPr lang="en-US" dirty="0"/>
           </a:p>
@@ -793,7 +793,7 @@
           <a:p>
             <a:fld id="{F070A7B3-6521-4DCA-87E5-044747A908C1}" type="datetimeFigureOut">
               <a:rPr lang="en-US" dirty="0"/>
-              <a:t>5/30/2019</a:t>
+              <a:t>5/31/2019</a:t>
             </a:fld>
             <a:endParaRPr lang="en-US" dirty="0"/>
           </a:p>
@@ -1049,7 +1049,7 @@
           <a:p>
             <a:fld id="{360C6404-AD6E-4860-8E75-697CA40B95DA}" type="datetimeFigureOut">
               <a:rPr lang="en-US" dirty="0"/>
-              <a:t>5/30/2019</a:t>
+              <a:t>5/31/2019</a:t>
             </a:fld>
             <a:endParaRPr lang="en-US" dirty="0"/>
           </a:p>
@@ -1277,7 +1277,7 @@
           <a:p>
             <a:fld id="{AB134690-1557-4C89-A502-4959FE7FAD70}" type="datetimeFigureOut">
               <a:rPr lang="en-US" dirty="0"/>
-              <a:t>5/30/2019</a:t>
+              <a:t>5/31/2019</a:t>
             </a:fld>
             <a:endParaRPr lang="en-US" dirty="0"/>
           </a:p>
@@ -1627,7 +1627,7 @@
           <a:p>
             <a:fld id="{4F7D4976-E339-4826-83B7-FBD03F55ECF8}" type="datetimeFigureOut">
               <a:rPr lang="en-US" dirty="0"/>
-              <a:t>5/30/2019</a:t>
+              <a:t>5/31/2019</a:t>
             </a:fld>
             <a:endParaRPr lang="en-US" dirty="0"/>
           </a:p>
@@ -1763,7 +1763,7 @@
           <a:p>
             <a:fld id="{E1037C31-9E7A-4F99-8774-A0E530DE1A42}" type="datetimeFigureOut">
               <a:rPr lang="en-US" dirty="0"/>
-              <a:t>5/30/2019</a:t>
+              <a:t>5/31/2019</a:t>
             </a:fld>
             <a:endParaRPr lang="en-US" dirty="0"/>
           </a:p>
@@ -1853,7 +1853,7 @@
           <a:p>
             <a:fld id="{C278504F-A551-4DE0-9316-4DCD1D8CC752}" type="datetimeFigureOut">
               <a:rPr lang="en-US" dirty="0"/>
-              <a:t>5/30/2019</a:t>
+              <a:t>5/31/2019</a:t>
             </a:fld>
             <a:endParaRPr lang="en-US" dirty="0"/>
           </a:p>
@@ -2205,7 +2205,7 @@
           <a:p>
             <a:fld id="{D1BE4249-C0D0-4B06-8692-E8BB871AF643}" type="datetimeFigureOut">
               <a:rPr lang="en-US" dirty="0"/>
-              <a:t>5/30/2019</a:t>
+              <a:t>5/31/2019</a:t>
             </a:fld>
             <a:endParaRPr lang="en-US" dirty="0"/>
           </a:p>
@@ -2518,7 +2518,7 @@
           <a:p>
             <a:fld id="{042B0DB6-F5C7-45FB-8CF3-31B45F9C2DAC}" type="datetimeFigureOut">
               <a:rPr lang="en-US" dirty="0"/>
-              <a:t>5/30/2019</a:t>
+              <a:t>5/31/2019</a:t>
             </a:fld>
             <a:endParaRPr lang="en-US" dirty="0"/>
           </a:p>
@@ -2757,7 +2757,7 @@
           <a:p>
             <a:fld id="{1160EA64-D806-43AC-9DF2-F8C432F32B4C}" type="datetimeFigureOut">
               <a:rPr lang="en-US" dirty="0"/>
-              <a:t>5/30/2019</a:t>
+              <a:t>5/31/2019</a:t>
             </a:fld>
             <a:endParaRPr lang="en-US" dirty="0"/>
           </a:p>
@@ -3456,7 +3456,7 @@
           <a:p>
             <a:r>
               <a:rPr lang="zh-CN" altLang="en-US" dirty="0"/>
-              <a:t>字段可以可选初始化</a:t>
+              <a:t>字段在声明的时候可以进行初始化</a:t>
             </a:r>
             <a:endParaRPr lang="en-US" altLang="zh-CN" dirty="0"/>
           </a:p>
@@ -3649,34 +3649,43 @@
           <a:p>
             <a:r>
               <a:rPr lang="zh-CN" altLang="en-US" dirty="0"/>
-              <a:t>通常有一些语句，会执行某个动作</a:t>
+              <a:t>通常包含一些语句，会执行某个动作</a:t>
             </a:r>
             <a:endParaRPr lang="en-US" altLang="zh-CN" dirty="0"/>
           </a:p>
           <a:p>
+            <a:r>
+              <a:rPr lang="zh-CN" altLang="en-US" dirty="0"/>
+              <a:t>可以传入参数</a:t>
+            </a:r>
+            <a:endParaRPr lang="en-US" altLang="zh-CN" dirty="0"/>
+          </a:p>
+          <a:p>
+            <a:r>
+              <a:rPr lang="zh-CN" altLang="en-US" dirty="0"/>
+              <a:t>可以返回数据，返回类型</a:t>
+            </a:r>
+            <a:endParaRPr lang="en-US" altLang="zh-CN" dirty="0"/>
+          </a:p>
+          <a:p>
+            <a:r>
+              <a:rPr lang="en-US" altLang="zh-CN" dirty="0"/>
+              <a:t>Void</a:t>
+            </a:r>
+            <a:r>
+              <a:rPr lang="zh-CN" altLang="en-US" dirty="0"/>
+              <a:t>，不返回数据</a:t>
+            </a:r>
+            <a:endParaRPr lang="en-US" altLang="zh-CN" dirty="0"/>
+          </a:p>
+          <a:p>
+            <a:r>
+              <a:rPr lang="en-US" altLang="zh-CN" dirty="0"/>
+              <a:t>ref/out </a:t>
+            </a:r>
             <a:r>
               <a:rPr lang="zh-CN" altLang="en-US" dirty="0"/>
               <a:t>参数</a:t>
-            </a:r>
-            <a:endParaRPr lang="en-US" altLang="zh-CN" dirty="0"/>
-          </a:p>
-          <a:p>
-            <a:r>
-              <a:rPr lang="zh-CN" altLang="en-US" dirty="0"/>
-              <a:t>返回类型</a:t>
-            </a:r>
-            <a:endParaRPr lang="en-US" altLang="zh-CN" dirty="0"/>
-          </a:p>
-          <a:p>
-            <a:r>
-              <a:rPr lang="en-US" altLang="zh-CN" dirty="0"/>
-              <a:t>void</a:t>
-            </a:r>
-          </a:p>
-          <a:p>
-            <a:r>
-              <a:rPr lang="en-US" altLang="zh-CN" dirty="0"/>
-              <a:t>ref/out</a:t>
             </a:r>
             <a:endParaRPr lang="en-US" dirty="0"/>
           </a:p>
@@ -3764,7 +3773,7 @@
           <a:p>
             <a:r>
               <a:rPr lang="zh-CN" altLang="en-US" dirty="0"/>
-              <a:t>类型内方法的签名必须唯一</a:t>
+              <a:t>一个类型内，其每个方法的签名必须是唯一的</a:t>
             </a:r>
             <a:endParaRPr lang="en-US" altLang="zh-CN" dirty="0"/>
           </a:p>
